--- a/module_2_json_syntax.pptx
+++ b/module_2_json_syntax.pptx
@@ -25,11 +25,11 @@
     <p:sldId id="296" r:id="rId16"/>
     <p:sldId id="332" r:id="rId17"/>
     <p:sldId id="337" r:id="rId18"/>
-    <p:sldId id="338" r:id="rId19"/>
+    <p:sldId id="343" r:id="rId19"/>
     <p:sldId id="339" r:id="rId20"/>
-    <p:sldId id="340" r:id="rId21"/>
+    <p:sldId id="344" r:id="rId21"/>
     <p:sldId id="341" r:id="rId22"/>
-    <p:sldId id="342" r:id="rId23"/>
+    <p:sldId id="345" r:id="rId23"/>
   </p:sldIdLst>
   <p:sldSz cx="12192000" cy="6858000"/>
   <p:notesSz cx="6858000" cy="9144000"/>
@@ -221,7 +221,7 @@
           <a:p>
             <a:fld id="{DE3EB0E5-D7D4-491C-9D7F-9D3520E224FD}" type="datetimeFigureOut">
               <a:rPr lang="en-GB" smtClean="0"/>
-              <a:t>20/02/2025</a:t>
+              <a:t>24/05/2025</a:t>
             </a:fld>
             <a:endParaRPr lang="en-GB"/>
           </a:p>
@@ -1046,7 +1046,13 @@
   <p:cSld>
     <p:spTree>
       <p:nvGrpSpPr>
-        <p:cNvPr id="1" name=""/>
+        <p:cNvPr id="1" name="">
+          <a:extLst>
+            <a:ext uri="{FF2B5EF4-FFF2-40B4-BE49-F238E27FC236}">
+              <a16:creationId xmlns:a16="http://schemas.microsoft.com/office/drawing/2014/main" id="{CDBCE5AF-6235-A700-FCEC-F0F017C34526}"/>
+            </a:ext>
+          </a:extLst>
+        </p:cNvPr>
         <p:cNvGrpSpPr/>
         <p:nvPr/>
       </p:nvGrpSpPr>
@@ -1060,7 +1066,13 @@
       </p:grpSpPr>
       <p:sp>
         <p:nvSpPr>
-          <p:cNvPr id="2" name="Slide Image Placeholder 1"/>
+          <p:cNvPr id="2" name="Slide Image Placeholder 1">
+            <a:extLst>
+              <a:ext uri="{FF2B5EF4-FFF2-40B4-BE49-F238E27FC236}">
+                <a16:creationId xmlns:a16="http://schemas.microsoft.com/office/drawing/2014/main" id="{C1823A39-CFB6-9B3B-DA15-061D1384AE2C}"/>
+              </a:ext>
+            </a:extLst>
+          </p:cNvPr>
           <p:cNvSpPr>
             <a:spLocks noGrp="1" noRot="1" noChangeAspect="1"/>
           </p:cNvSpPr>
@@ -1072,7 +1084,13 @@
       </p:sp>
       <p:sp>
         <p:nvSpPr>
-          <p:cNvPr id="3" name="Notes Placeholder 2"/>
+          <p:cNvPr id="3" name="Notes Placeholder 2">
+            <a:extLst>
+              <a:ext uri="{FF2B5EF4-FFF2-40B4-BE49-F238E27FC236}">
+                <a16:creationId xmlns:a16="http://schemas.microsoft.com/office/drawing/2014/main" id="{B759B550-1052-70CD-8E81-3CA52E6B0C33}"/>
+              </a:ext>
+            </a:extLst>
+          </p:cNvPr>
           <p:cNvSpPr>
             <a:spLocks noGrp="1"/>
           </p:cNvSpPr>
@@ -1091,7 +1109,13 @@
       </p:sp>
       <p:sp>
         <p:nvSpPr>
-          <p:cNvPr id="4" name="Slide Number Placeholder 3"/>
+          <p:cNvPr id="4" name="Slide Number Placeholder 3">
+            <a:extLst>
+              <a:ext uri="{FF2B5EF4-FFF2-40B4-BE49-F238E27FC236}">
+                <a16:creationId xmlns:a16="http://schemas.microsoft.com/office/drawing/2014/main" id="{8A38F4ED-9E18-4BF4-55A2-63161D13696C}"/>
+              </a:ext>
+            </a:extLst>
+          </p:cNvPr>
           <p:cNvSpPr>
             <a:spLocks noGrp="1"/>
           </p:cNvSpPr>
@@ -1115,7 +1139,7 @@
     </p:spTree>
     <p:extLst>
       <p:ext uri="{BB962C8B-B14F-4D97-AF65-F5344CB8AC3E}">
-        <p14:creationId xmlns:p14="http://schemas.microsoft.com/office/powerpoint/2010/main" val="3710748335"/>
+        <p14:creationId xmlns:p14="http://schemas.microsoft.com/office/powerpoint/2010/main" val="1632227916"/>
       </p:ext>
     </p:extLst>
   </p:cSld>
@@ -1217,7 +1241,7 @@
         <p:cNvPr id="1" name="">
           <a:extLst>
             <a:ext uri="{FF2B5EF4-FFF2-40B4-BE49-F238E27FC236}">
-              <a16:creationId xmlns:a16="http://schemas.microsoft.com/office/drawing/2014/main" id="{C061984F-CE6B-FA03-B1B0-402802422064}"/>
+              <a16:creationId xmlns:a16="http://schemas.microsoft.com/office/drawing/2014/main" id="{22483DC6-8B33-785B-3CA1-5A373DE7E234}"/>
             </a:ext>
           </a:extLst>
         </p:cNvPr>
@@ -1237,7 +1261,7 @@
           <p:cNvPr id="2" name="Slide Image Placeholder 1">
             <a:extLst>
               <a:ext uri="{FF2B5EF4-FFF2-40B4-BE49-F238E27FC236}">
-                <a16:creationId xmlns:a16="http://schemas.microsoft.com/office/drawing/2014/main" id="{C0B2F346-D724-0C1E-A8FC-6FBB8419AA4B}"/>
+                <a16:creationId xmlns:a16="http://schemas.microsoft.com/office/drawing/2014/main" id="{AB2BB25E-EAF7-DDE5-8E8B-9849B900BB28}"/>
               </a:ext>
             </a:extLst>
           </p:cNvPr>
@@ -1255,7 +1279,7 @@
           <p:cNvPr id="3" name="Notes Placeholder 2">
             <a:extLst>
               <a:ext uri="{FF2B5EF4-FFF2-40B4-BE49-F238E27FC236}">
-                <a16:creationId xmlns:a16="http://schemas.microsoft.com/office/drawing/2014/main" id="{8568A985-3C2F-C0E6-C47D-F81E0CB33AFE}"/>
+                <a16:creationId xmlns:a16="http://schemas.microsoft.com/office/drawing/2014/main" id="{B0C6D30A-36B5-C7B6-F992-711F4F981CF9}"/>
               </a:ext>
             </a:extLst>
           </p:cNvPr>
@@ -1280,7 +1304,7 @@
           <p:cNvPr id="4" name="Slide Number Placeholder 3">
             <a:extLst>
               <a:ext uri="{FF2B5EF4-FFF2-40B4-BE49-F238E27FC236}">
-                <a16:creationId xmlns:a16="http://schemas.microsoft.com/office/drawing/2014/main" id="{99BEAC74-DD41-B4F0-144B-87AE9A4C2ACC}"/>
+                <a16:creationId xmlns:a16="http://schemas.microsoft.com/office/drawing/2014/main" id="{B7307588-7E43-F80A-DB63-2D824FA79324}"/>
               </a:ext>
             </a:extLst>
           </p:cNvPr>
@@ -1307,7 +1331,7 @@
     </p:spTree>
     <p:extLst>
       <p:ext uri="{BB962C8B-B14F-4D97-AF65-F5344CB8AC3E}">
-        <p14:creationId xmlns:p14="http://schemas.microsoft.com/office/powerpoint/2010/main" val="2963304950"/>
+        <p14:creationId xmlns:p14="http://schemas.microsoft.com/office/powerpoint/2010/main" val="3969795601"/>
       </p:ext>
     </p:extLst>
   </p:cSld>
@@ -2613,7 +2637,7 @@
           <a:p>
             <a:fld id="{8DB94708-012F-4359-A84B-185C9FDFA390}" type="datetimeFigureOut">
               <a:rPr lang="en-GB" smtClean="0"/>
-              <a:t>20/02/2025</a:t>
+              <a:t>24/05/2025</a:t>
             </a:fld>
             <a:endParaRPr lang="en-GB"/>
           </a:p>
@@ -2902,7 +2926,7 @@
           <a:p>
             <a:fld id="{8DB94708-012F-4359-A84B-185C9FDFA390}" type="datetimeFigureOut">
               <a:rPr lang="en-GB" smtClean="0"/>
-              <a:t>20/02/2025</a:t>
+              <a:t>24/05/2025</a:t>
             </a:fld>
             <a:endParaRPr lang="en-GB"/>
           </a:p>
@@ -3102,7 +3126,7 @@
           <a:p>
             <a:fld id="{8DB94708-012F-4359-A84B-185C9FDFA390}" type="datetimeFigureOut">
               <a:rPr lang="en-GB" smtClean="0"/>
-              <a:t>20/02/2025</a:t>
+              <a:t>24/05/2025</a:t>
             </a:fld>
             <a:endParaRPr lang="en-GB"/>
           </a:p>
@@ -3312,7 +3336,7 @@
           <a:p>
             <a:fld id="{8DB94708-012F-4359-A84B-185C9FDFA390}" type="datetimeFigureOut">
               <a:rPr lang="en-GB" smtClean="0"/>
-              <a:t>20/02/2025</a:t>
+              <a:t>24/05/2025</a:t>
             </a:fld>
             <a:endParaRPr lang="en-GB"/>
           </a:p>
@@ -3632,7 +3656,7 @@
           <a:p>
             <a:fld id="{8DB94708-012F-4359-A84B-185C9FDFA390}" type="datetimeFigureOut">
               <a:rPr lang="en-GB" smtClean="0"/>
-              <a:t>20/02/2025</a:t>
+              <a:t>24/05/2025</a:t>
             </a:fld>
             <a:endParaRPr lang="en-GB"/>
           </a:p>
@@ -3908,7 +3932,7 @@
           <a:p>
             <a:fld id="{8DB94708-012F-4359-A84B-185C9FDFA390}" type="datetimeFigureOut">
               <a:rPr lang="en-GB" smtClean="0"/>
-              <a:t>20/02/2025</a:t>
+              <a:t>24/05/2025</a:t>
             </a:fld>
             <a:endParaRPr lang="en-GB"/>
           </a:p>
@@ -4176,7 +4200,7 @@
           <a:p>
             <a:fld id="{8DB94708-012F-4359-A84B-185C9FDFA390}" type="datetimeFigureOut">
               <a:rPr lang="en-GB" smtClean="0"/>
-              <a:t>20/02/2025</a:t>
+              <a:t>24/05/2025</a:t>
             </a:fld>
             <a:endParaRPr lang="en-GB"/>
           </a:p>
@@ -4381,7 +4405,7 @@
           <a:p>
             <a:fld id="{8DB94708-012F-4359-A84B-185C9FDFA390}" type="datetimeFigureOut">
               <a:rPr lang="en-GB" smtClean="0"/>
-              <a:t>20/02/2025</a:t>
+              <a:t>24/05/2025</a:t>
             </a:fld>
             <a:endParaRPr lang="en-GB"/>
           </a:p>
@@ -4848,7 +4872,7 @@
           <a:p>
             <a:fld id="{8DB94708-012F-4359-A84B-185C9FDFA390}" type="datetimeFigureOut">
               <a:rPr lang="en-GB" smtClean="0"/>
-              <a:t>20/02/2025</a:t>
+              <a:t>24/05/2025</a:t>
             </a:fld>
             <a:endParaRPr lang="en-GB"/>
           </a:p>
@@ -4990,7 +5014,7 @@
           <a:p>
             <a:fld id="{8DB94708-012F-4359-A84B-185C9FDFA390}" type="datetimeFigureOut">
               <a:rPr lang="en-GB" smtClean="0"/>
-              <a:t>20/02/2025</a:t>
+              <a:t>24/05/2025</a:t>
             </a:fld>
             <a:endParaRPr lang="en-GB"/>
           </a:p>
@@ -5157,7 +5181,7 @@
           <a:p>
             <a:fld id="{8DB94708-012F-4359-A84B-185C9FDFA390}" type="datetimeFigureOut">
               <a:rPr lang="en-GB" smtClean="0"/>
-              <a:t>20/02/2025</a:t>
+              <a:t>24/05/2025</a:t>
             </a:fld>
             <a:endParaRPr lang="en-GB"/>
           </a:p>
@@ -5524,7 +5548,7 @@
           <a:p>
             <a:fld id="{8DB94708-012F-4359-A84B-185C9FDFA390}" type="datetimeFigureOut">
               <a:rPr lang="en-GB" smtClean="0"/>
-              <a:t>20/02/2025</a:t>
+              <a:t>24/05/2025</a:t>
             </a:fld>
             <a:endParaRPr lang="en-GB"/>
           </a:p>
@@ -5767,7 +5791,7 @@
           <a:p>
             <a:fld id="{8DB94708-012F-4359-A84B-185C9FDFA390}" type="datetimeFigureOut">
               <a:rPr lang="en-GB" smtClean="0"/>
-              <a:t>20/02/2025</a:t>
+              <a:t>24/05/2025</a:t>
             </a:fld>
             <a:endParaRPr lang="en-GB"/>
           </a:p>
@@ -7845,7 +7869,7 @@
         <p:spPr>
           <a:xfrm>
             <a:off x="255638" y="689058"/>
-            <a:ext cx="11680723" cy="3970318"/>
+            <a:ext cx="11680723" cy="4524315"/>
           </a:xfrm>
           <a:prstGeom prst="rect">
             <a:avLst/>
@@ -7858,36 +7882,67 @@
           </a:bodyPr>
           <a:lstStyle/>
           <a:p>
-            <a:r>
-              <a:rPr lang="en-GB" sz="3600" b="1" dirty="0"/>
-              <a:t>1. What is a key difference between HCL and JSON in Terraform?</a:t>
-            </a:r>
-          </a:p>
-          <a:p>
-            <a:r>
-              <a:rPr lang="en-GB" sz="3600" dirty="0"/>
-              <a:t>A) JSON supports comments, but HCL does not.</a:t>
+            <a:pPr marL="514350" indent="-514350">
+              <a:buAutoNum type="arabicPeriod"/>
+            </a:pPr>
+            <a:r>
+              <a:rPr lang="en-GB" sz="3200" b="1" dirty="0"/>
+              <a:t>What is a key difference between HCL and JSON in Terraform?</a:t>
+            </a:r>
+          </a:p>
+          <a:p>
+            <a:endParaRPr lang="en-GB" sz="3200" b="1" dirty="0"/>
+          </a:p>
+          <a:p>
+            <a:pPr marL="514350" indent="-514350">
+              <a:buFont typeface="+mj-lt"/>
+              <a:buAutoNum type="alphaLcParenR"/>
+            </a:pPr>
+            <a:r>
+              <a:rPr lang="en-GB" sz="3200" dirty="0"/>
+              <a:t>JSON supports comments, but HCL does not.</a:t>
             </a:r>
             <a:br>
-              <a:rPr lang="en-GB" sz="3600" dirty="0"/>
+              <a:rPr lang="en-GB" sz="3200" dirty="0"/>
             </a:br>
-            <a:r>
-              <a:rPr lang="en-GB" sz="3600" dirty="0"/>
-              <a:t>B) HCL is machine-readable, while JSON is not.</a:t>
+            <a:endParaRPr lang="en-GB" sz="3200" dirty="0"/>
+          </a:p>
+          <a:p>
+            <a:pPr marL="514350" indent="-514350">
+              <a:buFont typeface="+mj-lt"/>
+              <a:buAutoNum type="alphaLcParenR"/>
+            </a:pPr>
+            <a:r>
+              <a:rPr lang="en-GB" sz="3200" dirty="0"/>
+              <a:t>HCL is machine-readable, while JSON is not.</a:t>
             </a:r>
             <a:br>
-              <a:rPr lang="en-GB" sz="3600" dirty="0"/>
+              <a:rPr lang="en-GB" sz="3200" dirty="0"/>
             </a:br>
-            <a:r>
-              <a:rPr lang="en-GB" sz="3600" dirty="0"/>
-              <a:t>C) HCL supports inline comments, while JSON does not. </a:t>
+            <a:endParaRPr lang="en-GB" sz="3200" dirty="0"/>
+          </a:p>
+          <a:p>
+            <a:pPr marL="514350" indent="-514350">
+              <a:buFont typeface="+mj-lt"/>
+              <a:buAutoNum type="alphaLcParenR"/>
+            </a:pPr>
+            <a:r>
+              <a:rPr lang="en-GB" sz="3200" dirty="0"/>
+              <a:t>HCL supports inline comments, while JSON does not. </a:t>
             </a:r>
             <a:br>
-              <a:rPr lang="en-GB" sz="3600" dirty="0"/>
+              <a:rPr lang="en-GB" sz="3200" dirty="0"/>
             </a:br>
-            <a:r>
-              <a:rPr lang="en-GB" sz="3600" dirty="0"/>
-              <a:t>D) JSON is the default format for writing Terraform configurations.</a:t>
+            <a:endParaRPr lang="en-GB" sz="3200" dirty="0"/>
+          </a:p>
+          <a:p>
+            <a:pPr marL="514350" indent="-514350">
+              <a:buFont typeface="+mj-lt"/>
+              <a:buAutoNum type="alphaLcParenR"/>
+            </a:pPr>
+            <a:r>
+              <a:rPr lang="en-GB" sz="3200" dirty="0"/>
+              <a:t>JSON is the default format for writing Terraform configurations.</a:t>
             </a:r>
           </a:p>
         </p:txBody>
@@ -7910,7 +7965,13 @@
   <p:cSld>
     <p:spTree>
       <p:nvGrpSpPr>
-        <p:cNvPr id="1" name=""/>
+        <p:cNvPr id="1" name="">
+          <a:extLst>
+            <a:ext uri="{FF2B5EF4-FFF2-40B4-BE49-F238E27FC236}">
+              <a16:creationId xmlns:a16="http://schemas.microsoft.com/office/drawing/2014/main" id="{0A385BFF-608B-3DDB-9FA8-540D08C72A2E}"/>
+            </a:ext>
+          </a:extLst>
+        </p:cNvPr>
         <p:cNvGrpSpPr/>
         <p:nvPr/>
       </p:nvGrpSpPr>
@@ -7924,10 +7985,10 @@
       </p:grpSpPr>
       <p:sp>
         <p:nvSpPr>
-          <p:cNvPr id="4" name="TextBox 3">
-            <a:extLst>
-              <a:ext uri="{FF2B5EF4-FFF2-40B4-BE49-F238E27FC236}">
-                <a16:creationId xmlns:a16="http://schemas.microsoft.com/office/drawing/2014/main" id="{38C5A63B-E78B-9D21-8AFF-7AD33EAD8381}"/>
+          <p:cNvPr id="5" name="TextBox 4">
+            <a:extLst>
+              <a:ext uri="{FF2B5EF4-FFF2-40B4-BE49-F238E27FC236}">
+                <a16:creationId xmlns:a16="http://schemas.microsoft.com/office/drawing/2014/main" id="{C33E1165-BD38-467D-50D9-271537629F16}"/>
               </a:ext>
             </a:extLst>
           </p:cNvPr>
@@ -7936,8 +7997,8 @@
         </p:nvSpPr>
         <p:spPr>
           <a:xfrm>
-            <a:off x="265470" y="678426"/>
-            <a:ext cx="11680723" cy="3970318"/>
+            <a:off x="255638" y="689058"/>
+            <a:ext cx="11680723" cy="4524315"/>
           </a:xfrm>
           <a:prstGeom prst="rect">
             <a:avLst/>
@@ -7950,44 +8011,71 @@
           </a:bodyPr>
           <a:lstStyle/>
           <a:p>
-            <a:r>
-              <a:rPr lang="en-GB" sz="3600" b="1" dirty="0"/>
-              <a:t>1. What is a key difference between HCL and JSON in Terraform?</a:t>
-            </a:r>
-          </a:p>
-          <a:p>
-            <a:r>
-              <a:rPr lang="en-GB" sz="3600" dirty="0"/>
-              <a:t>A) JSON supports comments, but HCL does not.</a:t>
+            <a:pPr marL="514350" indent="-514350">
+              <a:buAutoNum type="arabicPeriod"/>
+            </a:pPr>
+            <a:r>
+              <a:rPr lang="en-GB" sz="3200" b="1" dirty="0"/>
+              <a:t>What is a key difference between HCL and JSON in Terraform?</a:t>
+            </a:r>
+          </a:p>
+          <a:p>
+            <a:endParaRPr lang="en-GB" sz="3200" b="1" dirty="0"/>
+          </a:p>
+          <a:p>
+            <a:pPr marL="514350" indent="-514350">
+              <a:buFont typeface="+mj-lt"/>
+              <a:buAutoNum type="alphaLcParenR"/>
+            </a:pPr>
+            <a:r>
+              <a:rPr lang="en-GB" sz="3200" dirty="0"/>
+              <a:t>JSON supports comments, but HCL does not.</a:t>
             </a:r>
             <a:br>
-              <a:rPr lang="en-GB" sz="3600" dirty="0"/>
+              <a:rPr lang="en-GB" sz="3200" dirty="0"/>
             </a:br>
-            <a:r>
-              <a:rPr lang="en-GB" sz="3600" dirty="0"/>
-              <a:t>B) HCL is machine-readable, while JSON is not.</a:t>
+            <a:endParaRPr lang="en-GB" sz="3200" dirty="0"/>
+          </a:p>
+          <a:p>
+            <a:pPr marL="514350" indent="-514350">
+              <a:buFont typeface="+mj-lt"/>
+              <a:buAutoNum type="alphaLcParenR"/>
+            </a:pPr>
+            <a:r>
+              <a:rPr lang="en-GB" sz="3200" dirty="0"/>
+              <a:t>HCL is machine-readable, while JSON is not.</a:t>
             </a:r>
             <a:br>
-              <a:rPr lang="en-GB" sz="3600" dirty="0"/>
+              <a:rPr lang="en-GB" sz="3200" dirty="0"/>
             </a:br>
-            <a:r>
-              <a:rPr lang="en-GB" sz="3600" dirty="0"/>
-              <a:t>C) </a:t>
-            </a:r>
-            <a:r>
-              <a:rPr lang="en-GB" sz="3600" b="1" dirty="0"/>
-              <a:t>HCL supports inline comments, while JSON does not.</a:t>
-            </a:r>
-            <a:r>
-              <a:rPr lang="en-GB" sz="3600" dirty="0"/>
-              <a:t> ✅</a:t>
+            <a:endParaRPr lang="en-GB" sz="3200" dirty="0"/>
+          </a:p>
+          <a:p>
+            <a:pPr marL="514350" indent="-514350">
+              <a:buFont typeface="+mj-lt"/>
+              <a:buAutoNum type="alphaLcParenR"/>
+            </a:pPr>
+            <a:r>
+              <a:rPr lang="en-GB" sz="3200" b="1" dirty="0">
+                <a:solidFill>
+                  <a:srgbClr val="00B050"/>
+                </a:solidFill>
+              </a:rPr>
+              <a:t>HCL supports inline comments, while JSON does not. </a:t>
             </a:r>
             <a:br>
-              <a:rPr lang="en-GB" sz="3600" dirty="0"/>
+              <a:rPr lang="en-GB" sz="3200" dirty="0"/>
             </a:br>
-            <a:r>
-              <a:rPr lang="en-GB" sz="3600" dirty="0"/>
-              <a:t>D) JSON is the default format for writing Terraform configurations.</a:t>
+            <a:endParaRPr lang="en-GB" sz="3200" dirty="0"/>
+          </a:p>
+          <a:p>
+            <a:pPr marL="514350" indent="-514350">
+              <a:buFont typeface="+mj-lt"/>
+              <a:buAutoNum type="alphaLcParenR"/>
+            </a:pPr>
+            <a:r>
+              <a:rPr lang="en-GB" sz="3200" dirty="0"/>
+              <a:t>JSON is the default format for writing Terraform configurations.</a:t>
             </a:r>
           </a:p>
         </p:txBody>
@@ -7995,7 +8083,7 @@
     </p:spTree>
     <p:extLst>
       <p:ext uri="{BB962C8B-B14F-4D97-AF65-F5344CB8AC3E}">
-        <p14:creationId xmlns:p14="http://schemas.microsoft.com/office/powerpoint/2010/main" val="591793300"/>
+        <p14:creationId xmlns:p14="http://schemas.microsoft.com/office/powerpoint/2010/main" val="1911519565"/>
       </p:ext>
     </p:extLst>
   </p:cSld>
@@ -8038,8 +8126,8 @@
         </p:nvSpPr>
         <p:spPr bwMode="auto">
           <a:xfrm>
-            <a:off x="140109" y="843622"/>
-            <a:ext cx="11911781" cy="3046988"/>
+            <a:off x="280219" y="847245"/>
+            <a:ext cx="11911781" cy="4201791"/>
           </a:xfrm>
           <a:prstGeom prst="rect">
             <a:avLst/>
@@ -8112,7 +8200,6 @@
                   <a:schemeClr val="tx1"/>
                 </a:solidFill>
                 <a:effectLst/>
-                <a:latin typeface="Arial" panose="020B0604020202020204" pitchFamily="34" charset="0"/>
               </a:rPr>
               <a:t>2. How can you include comments in a Terraform JSON file?</a:t>
             </a:r>
@@ -8134,32 +8221,30 @@
               <a:buNone/>
               <a:tabLst/>
             </a:pPr>
-            <a:r>
-              <a:rPr kumimoji="0" lang="en-US" altLang="en-US" sz="3200" b="0" i="0" u="none" strike="noStrike" cap="none" normalizeH="0" baseline="0" dirty="0">
-                <a:ln>
-                  <a:noFill/>
-                </a:ln>
-                <a:solidFill>
-                  <a:schemeClr val="tx1"/>
-                </a:solidFill>
-                <a:effectLst/>
-                <a:latin typeface="Arial" panose="020B0604020202020204" pitchFamily="34" charset="0"/>
-              </a:rPr>
-              <a:t>A) Use </a:t>
-            </a:r>
-            <a:r>
-              <a:rPr kumimoji="0" lang="en-US" altLang="en-US" sz="3200" b="0" i="0" u="none" strike="noStrike" cap="none" normalizeH="0" baseline="0" dirty="0">
-                <a:ln>
-                  <a:noFill/>
-                </a:ln>
-                <a:solidFill>
-                  <a:schemeClr val="tx1"/>
-                </a:solidFill>
-                <a:effectLst/>
-                <a:latin typeface="Arial Unicode MS"/>
-              </a:rPr>
-              <a:t>//</a:t>
-            </a:r>
+            <a:endParaRPr kumimoji="0" lang="en-US" altLang="en-US" sz="3200" b="1" i="0" u="none" strike="noStrike" cap="none" normalizeH="0" baseline="0" dirty="0">
+              <a:ln>
+                <a:noFill/>
+              </a:ln>
+              <a:solidFill>
+                <a:schemeClr val="tx1"/>
+              </a:solidFill>
+              <a:effectLst/>
+            </a:endParaRPr>
+          </a:p>
+          <a:p>
+            <a:pPr marL="514350" marR="0" lvl="0" indent="-514350" algn="l" defTabSz="914400" rtl="0" eaLnBrk="0" fontAlgn="base" latinLnBrk="0" hangingPunct="0">
+              <a:spcBef>
+                <a:spcPct val="0"/>
+              </a:spcBef>
+              <a:spcAft>
+                <a:spcPct val="0"/>
+              </a:spcAft>
+              <a:buClrTx/>
+              <a:buSzTx/>
+              <a:buFont typeface="+mj-lt"/>
+              <a:buAutoNum type="alphaLcParenR"/>
+              <a:tabLst/>
+            </a:pPr>
             <a:r>
               <a:rPr kumimoji="0" lang="en-US" altLang="en-US" sz="3200" b="0" i="0" u="none" strike="noStrike" cap="none" normalizeH="0" baseline="0" dirty="0">
                 <a:ln>
@@ -8170,23 +8255,28 @@
                 </a:solidFill>
                 <a:effectLst/>
               </a:rPr>
-              <a:t> for single-line comments and </a:t>
-            </a:r>
-            <a:r>
-              <a:rPr kumimoji="0" lang="en-US" altLang="en-US" sz="3200" b="0" i="0" u="none" strike="noStrike" cap="none" normalizeH="0" baseline="0" dirty="0">
-                <a:ln>
-                  <a:noFill/>
-                </a:ln>
-                <a:solidFill>
-                  <a:schemeClr val="tx1"/>
-                </a:solidFill>
-                <a:effectLst/>
-                <a:latin typeface="Arial Unicode MS"/>
-              </a:rPr>
-              <a:t>/* ... */</a:t>
-            </a:r>
-            <a:r>
-              <a:rPr kumimoji="0" lang="en-US" altLang="en-US" sz="3200" b="0" i="0" u="none" strike="noStrike" cap="none" normalizeH="0" baseline="0" dirty="0">
+              <a:t>Use // for single-line comments and /* ... */ for multi-line comments.</a:t>
+            </a:r>
+          </a:p>
+          <a:p>
+            <a:pPr marL="514350" marR="0" lvl="0" indent="-514350" algn="l" defTabSz="914400" rtl="0" eaLnBrk="0" fontAlgn="base" latinLnBrk="0" hangingPunct="0">
+              <a:lnSpc>
+                <a:spcPct val="150000"/>
+              </a:lnSpc>
+              <a:spcBef>
+                <a:spcPct val="0"/>
+              </a:spcBef>
+              <a:spcAft>
+                <a:spcPct val="0"/>
+              </a:spcAft>
+              <a:buClrTx/>
+              <a:buSzTx/>
+              <a:buFont typeface="+mj-lt"/>
+              <a:buAutoNum type="alphaLcParenR"/>
+              <a:tabLst/>
+            </a:pPr>
+            <a:r>
+              <a:rPr kumimoji="0" lang="en-US" altLang="en-US" sz="3200" i="0" u="none" strike="noStrike" cap="none" normalizeH="0" baseline="0" dirty="0">
                 <a:ln>
                   <a:noFill/>
                 </a:ln>
@@ -8195,56 +8285,7 @@
                 </a:solidFill>
                 <a:effectLst/>
               </a:rPr>
-              <a:t> for multi-line comments.</a:t>
-            </a:r>
-            <a:br>
-              <a:rPr kumimoji="0" lang="en-US" altLang="en-US" sz="3200" b="0" i="0" u="none" strike="noStrike" cap="none" normalizeH="0" baseline="0" dirty="0">
-                <a:ln>
-                  <a:noFill/>
-                </a:ln>
-                <a:solidFill>
-                  <a:schemeClr val="tx1"/>
-                </a:solidFill>
-                <a:effectLst/>
-              </a:rPr>
-            </a:br>
-            <a:r>
-              <a:rPr kumimoji="0" lang="en-US" altLang="en-US" sz="3200" b="0" i="0" u="none" strike="noStrike" cap="none" normalizeH="0" baseline="0" dirty="0">
-                <a:ln>
-                  <a:noFill/>
-                </a:ln>
-                <a:solidFill>
-                  <a:schemeClr val="tx1"/>
-                </a:solidFill>
-                <a:effectLst/>
-              </a:rPr>
-              <a:t>B) </a:t>
-            </a:r>
-            <a:r>
-              <a:rPr kumimoji="0" lang="en-US" altLang="en-US" sz="3200" i="0" u="none" strike="noStrike" cap="none" normalizeH="0" baseline="0" dirty="0">
-                <a:ln>
-                  <a:noFill/>
-                </a:ln>
-                <a:solidFill>
-                  <a:schemeClr val="tx1"/>
-                </a:solidFill>
-                <a:effectLst/>
-                <a:latin typeface="Arial" panose="020B0604020202020204" pitchFamily="34" charset="0"/>
-              </a:rPr>
               <a:t>Use a special </a:t>
-            </a:r>
-            <a:r>
-              <a:rPr kumimoji="0" lang="en-US" altLang="en-US" sz="3200" b="1" i="0" u="none" strike="noStrike" cap="none" normalizeH="0" baseline="0" dirty="0">
-                <a:ln>
-                  <a:noFill/>
-                </a:ln>
-                <a:solidFill>
-                  <a:schemeClr val="tx1"/>
-                </a:solidFill>
-                <a:effectLst/>
-                <a:latin typeface="Arial Unicode MS"/>
-              </a:rPr>
-              <a:t>_comment</a:t>
             </a:r>
             <a:r>
               <a:rPr kumimoji="0" lang="en-US" altLang="en-US" sz="3200" b="1" i="0" u="none" strike="noStrike" cap="none" normalizeH="0" baseline="0" dirty="0">
@@ -8256,7 +8297,7 @@
                 </a:solidFill>
                 <a:effectLst/>
               </a:rPr>
-              <a:t> </a:t>
+              <a:t>_comment </a:t>
             </a:r>
             <a:r>
               <a:rPr kumimoji="0" lang="en-US" altLang="en-US" sz="3200" i="0" u="none" strike="noStrike" cap="none" normalizeH="0" baseline="0" dirty="0">
@@ -8270,50 +8311,24 @@
               </a:rPr>
               <a:t>key that Terraform ignores.</a:t>
             </a:r>
-            <a:br>
-              <a:rPr kumimoji="0" lang="en-US" altLang="en-US" sz="3200" b="0" i="0" u="none" strike="noStrike" cap="none" normalizeH="0" baseline="0" dirty="0">
-                <a:ln>
-                  <a:noFill/>
-                </a:ln>
-                <a:solidFill>
-                  <a:schemeClr val="tx1"/>
-                </a:solidFill>
-                <a:effectLst/>
-                <a:latin typeface="Arial" panose="020B0604020202020204" pitchFamily="34" charset="0"/>
-              </a:rPr>
-            </a:br>
-            <a:r>
-              <a:rPr lang="en-US" altLang="en-US" sz="3200" dirty="0">
-                <a:latin typeface="Arial" panose="020B0604020202020204" pitchFamily="34" charset="0"/>
-              </a:rPr>
-              <a:t>C</a:t>
-            </a:r>
-            <a:r>
-              <a:rPr kumimoji="0" lang="en-US" altLang="en-US" sz="3200" b="0" i="0" u="none" strike="noStrike" cap="none" normalizeH="0" baseline="0" dirty="0">
-                <a:ln>
-                  <a:noFill/>
-                </a:ln>
-                <a:solidFill>
-                  <a:schemeClr val="tx1"/>
-                </a:solidFill>
-                <a:effectLst/>
-                <a:latin typeface="Arial" panose="020B0604020202020204" pitchFamily="34" charset="0"/>
-              </a:rPr>
-              <a:t>) Add a </a:t>
-            </a:r>
-            <a:r>
-              <a:rPr kumimoji="0" lang="en-US" altLang="en-US" sz="3200" b="0" i="0" u="none" strike="noStrike" cap="none" normalizeH="0" baseline="0" dirty="0">
-                <a:ln>
-                  <a:noFill/>
-                </a:ln>
-                <a:solidFill>
-                  <a:schemeClr val="tx1"/>
-                </a:solidFill>
-                <a:effectLst/>
-                <a:latin typeface="Arial Unicode MS"/>
-              </a:rPr>
-              <a:t>"comments": true</a:t>
-            </a:r>
+          </a:p>
+          <a:p>
+            <a:pPr marL="514350" marR="0" lvl="0" indent="-514350" algn="l" defTabSz="914400" rtl="0" eaLnBrk="0" fontAlgn="base" latinLnBrk="0" hangingPunct="0">
+              <a:lnSpc>
+                <a:spcPct val="150000"/>
+              </a:lnSpc>
+              <a:spcBef>
+                <a:spcPct val="0"/>
+              </a:spcBef>
+              <a:spcAft>
+                <a:spcPct val="0"/>
+              </a:spcAft>
+              <a:buClrTx/>
+              <a:buSzTx/>
+              <a:buFont typeface="+mj-lt"/>
+              <a:buAutoNum type="alphaLcParenR"/>
+              <a:tabLst/>
+            </a:pPr>
             <a:r>
               <a:rPr kumimoji="0" lang="en-US" altLang="en-US" sz="3200" b="0" i="0" u="none" strike="noStrike" cap="none" normalizeH="0" baseline="0" dirty="0">
                 <a:ln>
@@ -8324,9 +8339,27 @@
                 </a:solidFill>
                 <a:effectLst/>
               </a:rPr>
-              <a:t> setting in the provider block.</a:t>
-            </a:r>
-            <a:br>
+              <a:t>Add a "comments": true setting in the provider block.</a:t>
+            </a:r>
+          </a:p>
+          <a:p>
+            <a:pPr marL="514350" marR="0" lvl="0" indent="-514350" algn="l" defTabSz="914400" rtl="0" eaLnBrk="0" fontAlgn="base" latinLnBrk="0" hangingPunct="0">
+              <a:lnSpc>
+                <a:spcPct val="150000"/>
+              </a:lnSpc>
+              <a:spcBef>
+                <a:spcPct val="0"/>
+              </a:spcBef>
+              <a:spcAft>
+                <a:spcPct val="0"/>
+              </a:spcAft>
+              <a:buClrTx/>
+              <a:buSzTx/>
+              <a:buFont typeface="+mj-lt"/>
+              <a:buAutoNum type="alphaLcParenR"/>
+              <a:tabLst/>
+            </a:pPr>
+            <a:r>
               <a:rPr kumimoji="0" lang="en-US" altLang="en-US" sz="3200" b="0" i="0" u="none" strike="noStrike" cap="none" normalizeH="0" baseline="0" dirty="0">
                 <a:ln>
                   <a:noFill/>
@@ -8336,29 +8369,8 @@
                 </a:solidFill>
                 <a:effectLst/>
               </a:rPr>
-            </a:br>
-            <a:r>
-              <a:rPr kumimoji="0" lang="en-US" altLang="en-US" sz="3200" b="0" i="0" u="none" strike="noStrike" cap="none" normalizeH="0" baseline="0" dirty="0">
-                <a:ln>
-                  <a:noFill/>
-                </a:ln>
-                <a:solidFill>
-                  <a:schemeClr val="tx1"/>
-                </a:solidFill>
-                <a:effectLst/>
-              </a:rPr>
-              <a:t>D) JSON natively supports comments, but they are optional.</a:t>
-            </a:r>
-            <a:endParaRPr kumimoji="0" lang="en-US" altLang="en-US" sz="3200" b="0" i="0" u="none" strike="noStrike" cap="none" normalizeH="0" baseline="0" dirty="0">
-              <a:ln>
-                <a:noFill/>
-              </a:ln>
-              <a:solidFill>
-                <a:schemeClr val="tx1"/>
-              </a:solidFill>
-              <a:effectLst/>
-              <a:latin typeface="Arial" panose="020B0604020202020204" pitchFamily="34" charset="0"/>
-            </a:endParaRPr>
+              <a:t>JSON natively supports comments, but they are optional.</a:t>
+            </a:r>
           </a:p>
         </p:txBody>
       </p:sp>
@@ -8508,7 +8520,7 @@
         <p:cNvPr id="1" name="">
           <a:extLst>
             <a:ext uri="{FF2B5EF4-FFF2-40B4-BE49-F238E27FC236}">
-              <a16:creationId xmlns:a16="http://schemas.microsoft.com/office/drawing/2014/main" id="{8E34FBAA-BDC7-9B2F-59FC-A546C65DA524}"/>
+              <a16:creationId xmlns:a16="http://schemas.microsoft.com/office/drawing/2014/main" id="{76290D9B-0BF4-06D9-CFA2-200732266CE4}"/>
             </a:ext>
           </a:extLst>
         </p:cNvPr>
@@ -8528,7 +8540,7 @@
           <p:cNvPr id="9" name="Rectangle 4">
             <a:extLst>
               <a:ext uri="{FF2B5EF4-FFF2-40B4-BE49-F238E27FC236}">
-                <a16:creationId xmlns:a16="http://schemas.microsoft.com/office/drawing/2014/main" id="{35F60FD3-DEBE-D84B-5529-65BA057155F2}"/>
+                <a16:creationId xmlns:a16="http://schemas.microsoft.com/office/drawing/2014/main" id="{388AB623-337D-849B-8A69-A699EF267FEA}"/>
               </a:ext>
             </a:extLst>
           </p:cNvPr>
@@ -8539,8 +8551,8 @@
         </p:nvSpPr>
         <p:spPr bwMode="auto">
           <a:xfrm>
-            <a:off x="140109" y="843622"/>
-            <a:ext cx="11911781" cy="3046988"/>
+            <a:off x="280219" y="847245"/>
+            <a:ext cx="11911781" cy="4201791"/>
           </a:xfrm>
           <a:prstGeom prst="rect">
             <a:avLst/>
@@ -8613,7 +8625,6 @@
                   <a:schemeClr val="tx1"/>
                 </a:solidFill>
                 <a:effectLst/>
-                <a:latin typeface="Arial" panose="020B0604020202020204" pitchFamily="34" charset="0"/>
               </a:rPr>
               <a:t>2. How can you include comments in a Terraform JSON file?</a:t>
             </a:r>
@@ -8635,32 +8646,30 @@
               <a:buNone/>
               <a:tabLst/>
             </a:pPr>
-            <a:r>
-              <a:rPr kumimoji="0" lang="en-US" altLang="en-US" sz="3200" b="0" i="0" u="none" strike="noStrike" cap="none" normalizeH="0" baseline="0" dirty="0">
-                <a:ln>
-                  <a:noFill/>
-                </a:ln>
-                <a:solidFill>
-                  <a:schemeClr val="tx1"/>
-                </a:solidFill>
-                <a:effectLst/>
-                <a:latin typeface="Arial" panose="020B0604020202020204" pitchFamily="34" charset="0"/>
-              </a:rPr>
-              <a:t>A) Use </a:t>
-            </a:r>
-            <a:r>
-              <a:rPr kumimoji="0" lang="en-US" altLang="en-US" sz="3200" b="0" i="0" u="none" strike="noStrike" cap="none" normalizeH="0" baseline="0" dirty="0">
-                <a:ln>
-                  <a:noFill/>
-                </a:ln>
-                <a:solidFill>
-                  <a:schemeClr val="tx1"/>
-                </a:solidFill>
-                <a:effectLst/>
-                <a:latin typeface="Arial Unicode MS"/>
-              </a:rPr>
-              <a:t>//</a:t>
-            </a:r>
+            <a:endParaRPr kumimoji="0" lang="en-US" altLang="en-US" sz="3200" b="1" i="0" u="none" strike="noStrike" cap="none" normalizeH="0" baseline="0" dirty="0">
+              <a:ln>
+                <a:noFill/>
+              </a:ln>
+              <a:solidFill>
+                <a:schemeClr val="tx1"/>
+              </a:solidFill>
+              <a:effectLst/>
+            </a:endParaRPr>
+          </a:p>
+          <a:p>
+            <a:pPr marL="514350" marR="0" lvl="0" indent="-514350" algn="l" defTabSz="914400" rtl="0" eaLnBrk="0" fontAlgn="base" latinLnBrk="0" hangingPunct="0">
+              <a:spcBef>
+                <a:spcPct val="0"/>
+              </a:spcBef>
+              <a:spcAft>
+                <a:spcPct val="0"/>
+              </a:spcAft>
+              <a:buClrTx/>
+              <a:buSzTx/>
+              <a:buFont typeface="+mj-lt"/>
+              <a:buAutoNum type="alphaLcParenR"/>
+              <a:tabLst/>
+            </a:pPr>
             <a:r>
               <a:rPr kumimoji="0" lang="en-US" altLang="en-US" sz="3200" b="0" i="0" u="none" strike="noStrike" cap="none" normalizeH="0" baseline="0" dirty="0">
                 <a:ln>
@@ -8671,21 +8680,56 @@
                 </a:solidFill>
                 <a:effectLst/>
               </a:rPr>
-              <a:t> for single-line comments and </a:t>
-            </a:r>
-            <a:r>
-              <a:rPr kumimoji="0" lang="en-US" altLang="en-US" sz="3200" b="0" i="0" u="none" strike="noStrike" cap="none" normalizeH="0" baseline="0" dirty="0">
+              <a:t>Use // for single-line comments and /* ... */ for multi-line comments.</a:t>
+            </a:r>
+          </a:p>
+          <a:p>
+            <a:pPr marL="514350" marR="0" lvl="0" indent="-514350" algn="l" defTabSz="914400" rtl="0" eaLnBrk="0" fontAlgn="base" latinLnBrk="0" hangingPunct="0">
+              <a:lnSpc>
+                <a:spcPct val="150000"/>
+              </a:lnSpc>
+              <a:spcBef>
+                <a:spcPct val="0"/>
+              </a:spcBef>
+              <a:spcAft>
+                <a:spcPct val="0"/>
+              </a:spcAft>
+              <a:buClrTx/>
+              <a:buSzTx/>
+              <a:buFont typeface="+mj-lt"/>
+              <a:buAutoNum type="alphaLcParenR"/>
+              <a:tabLst/>
+            </a:pPr>
+            <a:r>
+              <a:rPr kumimoji="0" lang="en-US" altLang="en-US" sz="3200" b="1" i="0" u="none" strike="noStrike" cap="none" normalizeH="0" baseline="0" dirty="0">
                 <a:ln>
                   <a:noFill/>
                 </a:ln>
                 <a:solidFill>
-                  <a:schemeClr val="tx1"/>
+                  <a:srgbClr val="00B050"/>
                 </a:solidFill>
                 <a:effectLst/>
-                <a:latin typeface="Arial Unicode MS"/>
               </a:rPr>
-              <a:t>/* ... */</a:t>
-            </a:r>
+              <a:t>Use a special _comment key that Terraform ignores.</a:t>
+            </a:r>
+          </a:p>
+          <a:p>
+            <a:pPr marL="514350" marR="0" lvl="0" indent="-514350" algn="l" defTabSz="914400" rtl="0" eaLnBrk="0" fontAlgn="base" latinLnBrk="0" hangingPunct="0">
+              <a:lnSpc>
+                <a:spcPct val="150000"/>
+              </a:lnSpc>
+              <a:spcBef>
+                <a:spcPct val="0"/>
+              </a:spcBef>
+              <a:spcAft>
+                <a:spcPct val="0"/>
+              </a:spcAft>
+              <a:buClrTx/>
+              <a:buSzTx/>
+              <a:buFont typeface="+mj-lt"/>
+              <a:buAutoNum type="alphaLcParenR"/>
+              <a:tabLst/>
+            </a:pPr>
             <a:r>
               <a:rPr kumimoji="0" lang="en-US" altLang="en-US" sz="3200" b="0" i="0" u="none" strike="noStrike" cap="none" normalizeH="0" baseline="0" dirty="0">
                 <a:ln>
@@ -8696,9 +8740,27 @@
                 </a:solidFill>
                 <a:effectLst/>
               </a:rPr>
-              <a:t> for multi-line comments.</a:t>
-            </a:r>
-            <a:br>
+              <a:t>Add a "comments": true setting in the provider block.</a:t>
+            </a:r>
+          </a:p>
+          <a:p>
+            <a:pPr marL="514350" marR="0" lvl="0" indent="-514350" algn="l" defTabSz="914400" rtl="0" eaLnBrk="0" fontAlgn="base" latinLnBrk="0" hangingPunct="0">
+              <a:lnSpc>
+                <a:spcPct val="150000"/>
+              </a:lnSpc>
+              <a:spcBef>
+                <a:spcPct val="0"/>
+              </a:spcBef>
+              <a:spcAft>
+                <a:spcPct val="0"/>
+              </a:spcAft>
+              <a:buClrTx/>
+              <a:buSzTx/>
+              <a:buFont typeface="+mj-lt"/>
+              <a:buAutoNum type="alphaLcParenR"/>
+              <a:tabLst/>
+            </a:pPr>
+            <a:r>
               <a:rPr kumimoji="0" lang="en-US" altLang="en-US" sz="3200" b="0" i="0" u="none" strike="noStrike" cap="none" normalizeH="0" baseline="0" dirty="0">
                 <a:ln>
                   <a:noFill/>
@@ -8708,191 +8770,15 @@
                 </a:solidFill>
                 <a:effectLst/>
               </a:rPr>
-            </a:br>
-            <a:r>
-              <a:rPr kumimoji="0" lang="en-US" altLang="en-US" sz="3200" b="0" i="0" u="none" strike="noStrike" cap="none" normalizeH="0" baseline="0" dirty="0">
-                <a:ln>
-                  <a:noFill/>
-                </a:ln>
-                <a:solidFill>
-                  <a:schemeClr val="tx1"/>
-                </a:solidFill>
-                <a:effectLst/>
-              </a:rPr>
-              <a:t>B) </a:t>
-            </a:r>
-            <a:r>
-              <a:rPr kumimoji="0" lang="en-US" altLang="en-US" sz="3200" i="0" u="none" strike="noStrike" cap="none" normalizeH="0" baseline="0" dirty="0">
-                <a:ln>
-                  <a:noFill/>
-                </a:ln>
-                <a:solidFill>
-                  <a:schemeClr val="tx1"/>
-                </a:solidFill>
-                <a:effectLst/>
-                <a:latin typeface="Arial" panose="020B0604020202020204" pitchFamily="34" charset="0"/>
-              </a:rPr>
-              <a:t>Use a special </a:t>
-            </a:r>
-            <a:r>
-              <a:rPr kumimoji="0" lang="en-US" altLang="en-US" sz="3200" b="1" i="0" u="none" strike="noStrike" cap="none" normalizeH="0" baseline="0" dirty="0">
-                <a:ln>
-                  <a:noFill/>
-                </a:ln>
-                <a:solidFill>
-                  <a:schemeClr val="tx1"/>
-                </a:solidFill>
-                <a:effectLst/>
-                <a:latin typeface="Arial Unicode MS"/>
-              </a:rPr>
-              <a:t>_comment</a:t>
-            </a:r>
-            <a:r>
-              <a:rPr kumimoji="0" lang="en-US" altLang="en-US" sz="3200" b="1" i="0" u="none" strike="noStrike" cap="none" normalizeH="0" baseline="0" dirty="0">
-                <a:ln>
-                  <a:noFill/>
-                </a:ln>
-                <a:solidFill>
-                  <a:schemeClr val="tx1"/>
-                </a:solidFill>
-                <a:effectLst/>
-              </a:rPr>
-              <a:t> </a:t>
-            </a:r>
-            <a:r>
-              <a:rPr kumimoji="0" lang="en-US" altLang="en-US" sz="3200" i="0" u="none" strike="noStrike" cap="none" normalizeH="0" baseline="0" dirty="0">
-                <a:ln>
-                  <a:noFill/>
-                </a:ln>
-                <a:solidFill>
-                  <a:schemeClr val="tx1"/>
-                </a:solidFill>
-                <a:effectLst/>
-              </a:rPr>
-              <a:t>key that Terraform ignores.</a:t>
-            </a:r>
-            <a:r>
-              <a:rPr kumimoji="0" lang="en-US" altLang="en-US" sz="3200" i="0" u="none" strike="noStrike" cap="none" normalizeH="0" baseline="0" dirty="0">
-                <a:ln>
-                  <a:noFill/>
-                </a:ln>
-                <a:solidFill>
-                  <a:schemeClr val="tx1"/>
-                </a:solidFill>
-                <a:effectLst/>
-                <a:latin typeface="Arial" panose="020B0604020202020204" pitchFamily="34" charset="0"/>
-              </a:rPr>
-              <a:t> </a:t>
-            </a:r>
-            <a:r>
-              <a:rPr kumimoji="0" lang="en-US" altLang="en-US" sz="3200" b="0" i="0" u="none" strike="noStrike" cap="none" normalizeH="0" baseline="0" dirty="0">
-                <a:ln>
-                  <a:noFill/>
-                </a:ln>
-                <a:solidFill>
-                  <a:schemeClr val="tx1"/>
-                </a:solidFill>
-                <a:effectLst/>
-                <a:latin typeface="Arial" panose="020B0604020202020204" pitchFamily="34" charset="0"/>
-              </a:rPr>
-              <a:t>✅</a:t>
-            </a:r>
-            <a:br>
-              <a:rPr kumimoji="0" lang="en-US" altLang="en-US" sz="3200" b="0" i="0" u="none" strike="noStrike" cap="none" normalizeH="0" baseline="0" dirty="0">
-                <a:ln>
-                  <a:noFill/>
-                </a:ln>
-                <a:solidFill>
-                  <a:schemeClr val="tx1"/>
-                </a:solidFill>
-                <a:effectLst/>
-                <a:latin typeface="Arial" panose="020B0604020202020204" pitchFamily="34" charset="0"/>
-              </a:rPr>
-            </a:br>
-            <a:r>
-              <a:rPr lang="en-US" altLang="en-US" sz="3200" dirty="0">
-                <a:latin typeface="Arial" panose="020B0604020202020204" pitchFamily="34" charset="0"/>
-              </a:rPr>
-              <a:t>C</a:t>
-            </a:r>
-            <a:r>
-              <a:rPr kumimoji="0" lang="en-US" altLang="en-US" sz="3200" b="0" i="0" u="none" strike="noStrike" cap="none" normalizeH="0" baseline="0" dirty="0">
-                <a:ln>
-                  <a:noFill/>
-                </a:ln>
-                <a:solidFill>
-                  <a:schemeClr val="tx1"/>
-                </a:solidFill>
-                <a:effectLst/>
-                <a:latin typeface="Arial" panose="020B0604020202020204" pitchFamily="34" charset="0"/>
-              </a:rPr>
-              <a:t>) Add a </a:t>
-            </a:r>
-            <a:r>
-              <a:rPr kumimoji="0" lang="en-US" altLang="en-US" sz="3200" b="0" i="0" u="none" strike="noStrike" cap="none" normalizeH="0" baseline="0" dirty="0">
-                <a:ln>
-                  <a:noFill/>
-                </a:ln>
-                <a:solidFill>
-                  <a:schemeClr val="tx1"/>
-                </a:solidFill>
-                <a:effectLst/>
-                <a:latin typeface="Arial Unicode MS"/>
-              </a:rPr>
-              <a:t>"comments": true</a:t>
-            </a:r>
-            <a:r>
-              <a:rPr kumimoji="0" lang="en-US" altLang="en-US" sz="3200" b="0" i="0" u="none" strike="noStrike" cap="none" normalizeH="0" baseline="0" dirty="0">
-                <a:ln>
-                  <a:noFill/>
-                </a:ln>
-                <a:solidFill>
-                  <a:schemeClr val="tx1"/>
-                </a:solidFill>
-                <a:effectLst/>
-              </a:rPr>
-              <a:t> setting in the provider block.</a:t>
-            </a:r>
-            <a:br>
-              <a:rPr kumimoji="0" lang="en-US" altLang="en-US" sz="3200" b="0" i="0" u="none" strike="noStrike" cap="none" normalizeH="0" baseline="0" dirty="0">
-                <a:ln>
-                  <a:noFill/>
-                </a:ln>
-                <a:solidFill>
-                  <a:schemeClr val="tx1"/>
-                </a:solidFill>
-                <a:effectLst/>
-              </a:rPr>
-            </a:br>
-            <a:r>
-              <a:rPr kumimoji="0" lang="en-US" altLang="en-US" sz="3200" b="0" i="0" u="none" strike="noStrike" cap="none" normalizeH="0" baseline="0" dirty="0">
-                <a:ln>
-                  <a:noFill/>
-                </a:ln>
-                <a:solidFill>
-                  <a:schemeClr val="tx1"/>
-                </a:solidFill>
-                <a:effectLst/>
-              </a:rPr>
-              <a:t>D) JSON natively supports comments, but they are optional.</a:t>
-            </a:r>
-            <a:endParaRPr kumimoji="0" lang="en-US" altLang="en-US" sz="3200" b="0" i="0" u="none" strike="noStrike" cap="none" normalizeH="0" baseline="0" dirty="0">
-              <a:ln>
-                <a:noFill/>
-              </a:ln>
-              <a:solidFill>
-                <a:schemeClr val="tx1"/>
-              </a:solidFill>
-              <a:effectLst/>
-              <a:latin typeface="Arial" panose="020B0604020202020204" pitchFamily="34" charset="0"/>
-            </a:endParaRPr>
+              <a:t>JSON natively supports comments, but they are optional.</a:t>
+            </a:r>
           </a:p>
         </p:txBody>
       </p:sp>
     </p:spTree>
     <p:extLst>
       <p:ext uri="{BB962C8B-B14F-4D97-AF65-F5344CB8AC3E}">
-        <p14:creationId xmlns:p14="http://schemas.microsoft.com/office/powerpoint/2010/main" val="2918335921"/>
+        <p14:creationId xmlns:p14="http://schemas.microsoft.com/office/powerpoint/2010/main" val="1344245932"/>
       </p:ext>
     </p:extLst>
   </p:cSld>
@@ -8941,8 +8827,8 @@
         </p:blipFill>
         <p:spPr>
           <a:xfrm>
-            <a:off x="455807" y="2566523"/>
-            <a:ext cx="2476627" cy="1759040"/>
+            <a:off x="425064" y="2228692"/>
+            <a:ext cx="3147193" cy="2235314"/>
           </a:xfrm>
           <a:prstGeom prst="rect">
             <a:avLst/>
@@ -8983,8 +8869,8 @@
         </p:blipFill>
         <p:spPr>
           <a:xfrm>
-            <a:off x="3914813" y="2566523"/>
-            <a:ext cx="2654436" cy="2235315"/>
+            <a:off x="3884069" y="2228692"/>
+            <a:ext cx="3612105" cy="3041773"/>
           </a:xfrm>
           <a:prstGeom prst="rect">
             <a:avLst/>
@@ -9025,8 +8911,8 @@
         </p:blipFill>
         <p:spPr>
           <a:xfrm>
-            <a:off x="7381508" y="2566523"/>
-            <a:ext cx="2787793" cy="2673487"/>
+            <a:off x="7985144" y="2223623"/>
+            <a:ext cx="3781792" cy="3626730"/>
           </a:xfrm>
           <a:prstGeom prst="rect">
             <a:avLst/>
@@ -9094,7 +8980,7 @@
         </p:nvSpPr>
         <p:spPr>
           <a:xfrm flipH="1">
-            <a:off x="455807" y="2061856"/>
+            <a:off x="3109351" y="2223623"/>
             <a:ext cx="652661" cy="523220"/>
           </a:xfrm>
           <a:prstGeom prst="rect">
@@ -9129,8 +9015,8 @@
         </p:nvSpPr>
         <p:spPr>
           <a:xfrm flipH="1">
-            <a:off x="3914813" y="2061856"/>
-            <a:ext cx="652661" cy="523220"/>
+            <a:off x="7107100" y="2223623"/>
+            <a:ext cx="336955" cy="523220"/>
           </a:xfrm>
           <a:prstGeom prst="rect">
             <a:avLst/>
@@ -9164,7 +9050,7 @@
         </p:nvSpPr>
         <p:spPr>
           <a:xfrm flipH="1">
-            <a:off x="7381508" y="2052580"/>
+            <a:off x="11330232" y="2223623"/>
             <a:ext cx="652661" cy="523220"/>
           </a:xfrm>
           <a:prstGeom prst="rect">
@@ -9206,7 +9092,7 @@
         <p:cNvPr id="1" name="">
           <a:extLst>
             <a:ext uri="{FF2B5EF4-FFF2-40B4-BE49-F238E27FC236}">
-              <a16:creationId xmlns:a16="http://schemas.microsoft.com/office/drawing/2014/main" id="{F45B5894-190A-9A51-E18B-74CF75D629A5}"/>
+              <a16:creationId xmlns:a16="http://schemas.microsoft.com/office/drawing/2014/main" id="{EF36D7FB-0547-6722-1F10-12487DD63A1B}"/>
             </a:ext>
           </a:extLst>
         </p:cNvPr>
@@ -9226,7 +9112,7 @@
           <p:cNvPr id="5" name="Picture 4">
             <a:extLst>
               <a:ext uri="{FF2B5EF4-FFF2-40B4-BE49-F238E27FC236}">
-                <a16:creationId xmlns:a16="http://schemas.microsoft.com/office/drawing/2014/main" id="{FCFEAAF0-8AB9-0CE0-C059-B35283164E56}"/>
+                <a16:creationId xmlns:a16="http://schemas.microsoft.com/office/drawing/2014/main" id="{B2A4AADA-ED23-A993-6382-153B9F44C7FB}"/>
               </a:ext>
             </a:extLst>
           </p:cNvPr>
@@ -9243,8 +9129,8 @@
         </p:blipFill>
         <p:spPr>
           <a:xfrm>
-            <a:off x="455807" y="2566523"/>
-            <a:ext cx="2476627" cy="1759040"/>
+            <a:off x="425064" y="2228692"/>
+            <a:ext cx="3147193" cy="2235314"/>
           </a:xfrm>
           <a:prstGeom prst="rect">
             <a:avLst/>
@@ -9268,7 +9154,7 @@
           <p:cNvPr id="7" name="Picture 6">
             <a:extLst>
               <a:ext uri="{FF2B5EF4-FFF2-40B4-BE49-F238E27FC236}">
-                <a16:creationId xmlns:a16="http://schemas.microsoft.com/office/drawing/2014/main" id="{28644C16-05B5-47BB-51C0-2FBC06BFBF68}"/>
+                <a16:creationId xmlns:a16="http://schemas.microsoft.com/office/drawing/2014/main" id="{BBD11AAA-8F64-F2AC-9BB0-6ED842239FE1}"/>
               </a:ext>
             </a:extLst>
           </p:cNvPr>
@@ -9285,8 +9171,8 @@
         </p:blipFill>
         <p:spPr>
           <a:xfrm>
-            <a:off x="3914813" y="2566523"/>
-            <a:ext cx="2654436" cy="2235315"/>
+            <a:off x="3884069" y="2228692"/>
+            <a:ext cx="3612105" cy="3041773"/>
           </a:xfrm>
           <a:prstGeom prst="rect">
             <a:avLst/>
@@ -9310,7 +9196,7 @@
           <p:cNvPr id="9" name="Picture 8">
             <a:extLst>
               <a:ext uri="{FF2B5EF4-FFF2-40B4-BE49-F238E27FC236}">
-                <a16:creationId xmlns:a16="http://schemas.microsoft.com/office/drawing/2014/main" id="{50A48136-2F91-0B47-F275-CFD37C958CE7}"/>
+                <a16:creationId xmlns:a16="http://schemas.microsoft.com/office/drawing/2014/main" id="{30814835-78EC-065A-8E6C-1B59434AFBCB}"/>
               </a:ext>
             </a:extLst>
           </p:cNvPr>
@@ -9327,8 +9213,8 @@
         </p:blipFill>
         <p:spPr>
           <a:xfrm>
-            <a:off x="7381508" y="2566523"/>
-            <a:ext cx="2787793" cy="2673487"/>
+            <a:off x="7985144" y="2223623"/>
+            <a:ext cx="3781792" cy="3626730"/>
           </a:xfrm>
           <a:prstGeom prst="rect">
             <a:avLst/>
@@ -9352,7 +9238,7 @@
           <p:cNvPr id="11" name="TextBox 10">
             <a:extLst>
               <a:ext uri="{FF2B5EF4-FFF2-40B4-BE49-F238E27FC236}">
-                <a16:creationId xmlns:a16="http://schemas.microsoft.com/office/drawing/2014/main" id="{EDED6221-C2CC-7EF6-1F31-0B09E43E58DD}"/>
+                <a16:creationId xmlns:a16="http://schemas.microsoft.com/office/drawing/2014/main" id="{BACF18EF-7204-2F53-622B-02985ADCC9AA}"/>
               </a:ext>
             </a:extLst>
           </p:cNvPr>
@@ -9387,7 +9273,7 @@
           <p:cNvPr id="12" name="TextBox 11">
             <a:extLst>
               <a:ext uri="{FF2B5EF4-FFF2-40B4-BE49-F238E27FC236}">
-                <a16:creationId xmlns:a16="http://schemas.microsoft.com/office/drawing/2014/main" id="{309F2E14-ED36-800D-98F4-BBEFE02D7C05}"/>
+                <a16:creationId xmlns:a16="http://schemas.microsoft.com/office/drawing/2014/main" id="{22EBA60B-1CEE-DB9F-4C2C-EDA117D48D3E}"/>
               </a:ext>
             </a:extLst>
           </p:cNvPr>
@@ -9396,7 +9282,7 @@
         </p:nvSpPr>
         <p:spPr>
           <a:xfrm flipH="1">
-            <a:off x="455807" y="2061856"/>
+            <a:off x="3109351" y="2223623"/>
             <a:ext cx="652661" cy="523220"/>
           </a:xfrm>
           <a:prstGeom prst="rect">
@@ -9422,7 +9308,7 @@
           <p:cNvPr id="13" name="TextBox 12">
             <a:extLst>
               <a:ext uri="{FF2B5EF4-FFF2-40B4-BE49-F238E27FC236}">
-                <a16:creationId xmlns:a16="http://schemas.microsoft.com/office/drawing/2014/main" id="{6068B0FB-DED2-B8C9-75A9-176BD6FBF714}"/>
+                <a16:creationId xmlns:a16="http://schemas.microsoft.com/office/drawing/2014/main" id="{58A09A25-2D75-F2C6-0668-C6BE6ED014E6}"/>
               </a:ext>
             </a:extLst>
           </p:cNvPr>
@@ -9431,7 +9317,46 @@
         </p:nvSpPr>
         <p:spPr>
           <a:xfrm flipH="1">
-            <a:off x="3914813" y="2061856"/>
+            <a:off x="7107100" y="2223623"/>
+            <a:ext cx="336955" cy="523220"/>
+          </a:xfrm>
+          <a:prstGeom prst="rect">
+            <a:avLst/>
+          </a:prstGeom>
+          <a:noFill/>
+        </p:spPr>
+        <p:txBody>
+          <a:bodyPr wrap="square" rtlCol="0">
+            <a:spAutoFit/>
+          </a:bodyPr>
+          <a:lstStyle/>
+          <a:p>
+            <a:r>
+              <a:rPr lang="en-GB" sz="2800" b="1" dirty="0">
+                <a:solidFill>
+                  <a:srgbClr val="00B050"/>
+                </a:solidFill>
+              </a:rPr>
+              <a:t>B</a:t>
+            </a:r>
+          </a:p>
+        </p:txBody>
+      </p:sp>
+      <p:sp>
+        <p:nvSpPr>
+          <p:cNvPr id="14" name="TextBox 13">
+            <a:extLst>
+              <a:ext uri="{FF2B5EF4-FFF2-40B4-BE49-F238E27FC236}">
+                <a16:creationId xmlns:a16="http://schemas.microsoft.com/office/drawing/2014/main" id="{905BC89C-4F80-FE62-D132-A177C3EF4AAA}"/>
+              </a:ext>
+            </a:extLst>
+          </p:cNvPr>
+          <p:cNvSpPr txBox="1"/>
+          <p:nvPr/>
+        </p:nvSpPr>
+        <p:spPr>
+          <a:xfrm flipH="1">
+            <a:off x="11330232" y="2223623"/>
             <a:ext cx="652661" cy="523220"/>
           </a:xfrm>
           <a:prstGeom prst="rect">
@@ -9447,77 +9372,7 @@
           <a:p>
             <a:r>
               <a:rPr lang="en-GB" sz="2800" b="1" dirty="0"/>
-              <a:t>B</a:t>
-            </a:r>
-          </a:p>
-        </p:txBody>
-      </p:sp>
-      <p:sp>
-        <p:nvSpPr>
-          <p:cNvPr id="14" name="TextBox 13">
-            <a:extLst>
-              <a:ext uri="{FF2B5EF4-FFF2-40B4-BE49-F238E27FC236}">
-                <a16:creationId xmlns:a16="http://schemas.microsoft.com/office/drawing/2014/main" id="{E4A487B1-41A1-6CD4-DE55-21F7B63552F9}"/>
-              </a:ext>
-            </a:extLst>
-          </p:cNvPr>
-          <p:cNvSpPr txBox="1"/>
-          <p:nvPr/>
-        </p:nvSpPr>
-        <p:spPr>
-          <a:xfrm flipH="1">
-            <a:off x="7381508" y="2052580"/>
-            <a:ext cx="652661" cy="523220"/>
-          </a:xfrm>
-          <a:prstGeom prst="rect">
-            <a:avLst/>
-          </a:prstGeom>
-          <a:noFill/>
-        </p:spPr>
-        <p:txBody>
-          <a:bodyPr wrap="square" rtlCol="0">
-            <a:spAutoFit/>
-          </a:bodyPr>
-          <a:lstStyle/>
-          <a:p>
-            <a:r>
-              <a:rPr lang="en-GB" sz="2800" b="1" dirty="0"/>
               <a:t>C</a:t>
-            </a:r>
-          </a:p>
-        </p:txBody>
-      </p:sp>
-      <p:sp>
-        <p:nvSpPr>
-          <p:cNvPr id="3" name="TextBox 2">
-            <a:extLst>
-              <a:ext uri="{FF2B5EF4-FFF2-40B4-BE49-F238E27FC236}">
-                <a16:creationId xmlns:a16="http://schemas.microsoft.com/office/drawing/2014/main" id="{07CF8FC0-7E80-7E13-D8BF-FE012B983A0C}"/>
-              </a:ext>
-            </a:extLst>
-          </p:cNvPr>
-          <p:cNvSpPr txBox="1"/>
-          <p:nvPr/>
-        </p:nvSpPr>
-        <p:spPr>
-          <a:xfrm>
-            <a:off x="6096000" y="4432506"/>
-            <a:ext cx="563526" cy="369332"/>
-          </a:xfrm>
-          <a:prstGeom prst="rect">
-            <a:avLst/>
-          </a:prstGeom>
-          <a:noFill/>
-        </p:spPr>
-        <p:txBody>
-          <a:bodyPr wrap="square">
-            <a:spAutoFit/>
-          </a:bodyPr>
-          <a:lstStyle/>
-          <a:p>
-            <a:r>
-              <a:rPr lang="en-GB" dirty="0"/>
-              <a:t>✅</a:t>
             </a:r>
           </a:p>
         </p:txBody>
@@ -9525,7 +9380,7 @@
     </p:spTree>
     <p:extLst>
       <p:ext uri="{BB962C8B-B14F-4D97-AF65-F5344CB8AC3E}">
-        <p14:creationId xmlns:p14="http://schemas.microsoft.com/office/powerpoint/2010/main" val="1880529164"/>
+        <p14:creationId xmlns:p14="http://schemas.microsoft.com/office/powerpoint/2010/main" val="272392011"/>
       </p:ext>
     </p:extLst>
   </p:cSld>
